--- a/assets/Icons/icons.pptx
+++ b/assets/Icons/icons.pptx
@@ -106,6 +106,11 @@
       </a:defRPr>
     </a:lvl9pPr>
   </p:defaultTextStyle>
+  <p:extLst>
+    <p:ext uri="{EFAFB233-063F-42B5-8137-9DF3F51BA10A}">
+      <p15:sldGuideLst xmlns:p15="http://schemas.microsoft.com/office/powerpoint/2012/main"/>
+    </p:ext>
+  </p:extLst>
 </p:presentation>
 </file>
 
@@ -258,7 +263,7 @@
           <a:p>
             <a:fld id="{83B0DD9A-6AEE-4CA7-A9F6-A1A12CF444F7}" type="datetimeFigureOut">
               <a:rPr lang="en-AU" smtClean="0"/>
-              <a:t>25/12/2021</a:t>
+              <a:t>6/01/2022</a:t>
             </a:fld>
             <a:endParaRPr lang="en-AU"/>
           </a:p>
@@ -458,7 +463,7 @@
           <a:p>
             <a:fld id="{83B0DD9A-6AEE-4CA7-A9F6-A1A12CF444F7}" type="datetimeFigureOut">
               <a:rPr lang="en-AU" smtClean="0"/>
-              <a:t>25/12/2021</a:t>
+              <a:t>6/01/2022</a:t>
             </a:fld>
             <a:endParaRPr lang="en-AU"/>
           </a:p>
@@ -668,7 +673,7 @@
           <a:p>
             <a:fld id="{83B0DD9A-6AEE-4CA7-A9F6-A1A12CF444F7}" type="datetimeFigureOut">
               <a:rPr lang="en-AU" smtClean="0"/>
-              <a:t>25/12/2021</a:t>
+              <a:t>6/01/2022</a:t>
             </a:fld>
             <a:endParaRPr lang="en-AU"/>
           </a:p>
@@ -868,7 +873,7 @@
           <a:p>
             <a:fld id="{83B0DD9A-6AEE-4CA7-A9F6-A1A12CF444F7}" type="datetimeFigureOut">
               <a:rPr lang="en-AU" smtClean="0"/>
-              <a:t>25/12/2021</a:t>
+              <a:t>6/01/2022</a:t>
             </a:fld>
             <a:endParaRPr lang="en-AU"/>
           </a:p>
@@ -1144,7 +1149,7 @@
           <a:p>
             <a:fld id="{83B0DD9A-6AEE-4CA7-A9F6-A1A12CF444F7}" type="datetimeFigureOut">
               <a:rPr lang="en-AU" smtClean="0"/>
-              <a:t>25/12/2021</a:t>
+              <a:t>6/01/2022</a:t>
             </a:fld>
             <a:endParaRPr lang="en-AU"/>
           </a:p>
@@ -1412,7 +1417,7 @@
           <a:p>
             <a:fld id="{83B0DD9A-6AEE-4CA7-A9F6-A1A12CF444F7}" type="datetimeFigureOut">
               <a:rPr lang="en-AU" smtClean="0"/>
-              <a:t>25/12/2021</a:t>
+              <a:t>6/01/2022</a:t>
             </a:fld>
             <a:endParaRPr lang="en-AU"/>
           </a:p>
@@ -1827,7 +1832,7 @@
           <a:p>
             <a:fld id="{83B0DD9A-6AEE-4CA7-A9F6-A1A12CF444F7}" type="datetimeFigureOut">
               <a:rPr lang="en-AU" smtClean="0"/>
-              <a:t>25/12/2021</a:t>
+              <a:t>6/01/2022</a:t>
             </a:fld>
             <a:endParaRPr lang="en-AU"/>
           </a:p>
@@ -1969,7 +1974,7 @@
           <a:p>
             <a:fld id="{83B0DD9A-6AEE-4CA7-A9F6-A1A12CF444F7}" type="datetimeFigureOut">
               <a:rPr lang="en-AU" smtClean="0"/>
-              <a:t>25/12/2021</a:t>
+              <a:t>6/01/2022</a:t>
             </a:fld>
             <a:endParaRPr lang="en-AU"/>
           </a:p>
@@ -2082,7 +2087,7 @@
           <a:p>
             <a:fld id="{83B0DD9A-6AEE-4CA7-A9F6-A1A12CF444F7}" type="datetimeFigureOut">
               <a:rPr lang="en-AU" smtClean="0"/>
-              <a:t>25/12/2021</a:t>
+              <a:t>6/01/2022</a:t>
             </a:fld>
             <a:endParaRPr lang="en-AU"/>
           </a:p>
@@ -2395,7 +2400,7 @@
           <a:p>
             <a:fld id="{83B0DD9A-6AEE-4CA7-A9F6-A1A12CF444F7}" type="datetimeFigureOut">
               <a:rPr lang="en-AU" smtClean="0"/>
-              <a:t>25/12/2021</a:t>
+              <a:t>6/01/2022</a:t>
             </a:fld>
             <a:endParaRPr lang="en-AU"/>
           </a:p>
@@ -2684,7 +2689,7 @@
           <a:p>
             <a:fld id="{83B0DD9A-6AEE-4CA7-A9F6-A1A12CF444F7}" type="datetimeFigureOut">
               <a:rPr lang="en-AU" smtClean="0"/>
-              <a:t>25/12/2021</a:t>
+              <a:t>6/01/2022</a:t>
             </a:fld>
             <a:endParaRPr lang="en-AU"/>
           </a:p>
@@ -2927,7 +2932,7 @@
           <a:p>
             <a:fld id="{83B0DD9A-6AEE-4CA7-A9F6-A1A12CF444F7}" type="datetimeFigureOut">
               <a:rPr lang="en-AU" smtClean="0"/>
-              <a:t>25/12/2021</a:t>
+              <a:t>6/01/2022</a:t>
             </a:fld>
             <a:endParaRPr lang="en-AU"/>
           </a:p>

--- a/assets/Icons/icons.pptx
+++ b/assets/Icons/icons.pptx
@@ -8,6 +8,7 @@
     <p:sldId id="256" r:id="rId2"/>
     <p:sldId id="257" r:id="rId3"/>
     <p:sldId id="258" r:id="rId4"/>
+    <p:sldId id="259" r:id="rId5"/>
   </p:sldIdLst>
   <p:sldSz cx="12192000" cy="6858000"/>
   <p:notesSz cx="6858000" cy="9144000"/>
@@ -263,7 +264,7 @@
           <a:p>
             <a:fld id="{83B0DD9A-6AEE-4CA7-A9F6-A1A12CF444F7}" type="datetimeFigureOut">
               <a:rPr lang="en-AU" smtClean="0"/>
-              <a:t>6/01/2022</a:t>
+              <a:t>9/01/2022</a:t>
             </a:fld>
             <a:endParaRPr lang="en-AU"/>
           </a:p>
@@ -463,7 +464,7 @@
           <a:p>
             <a:fld id="{83B0DD9A-6AEE-4CA7-A9F6-A1A12CF444F7}" type="datetimeFigureOut">
               <a:rPr lang="en-AU" smtClean="0"/>
-              <a:t>6/01/2022</a:t>
+              <a:t>9/01/2022</a:t>
             </a:fld>
             <a:endParaRPr lang="en-AU"/>
           </a:p>
@@ -673,7 +674,7 @@
           <a:p>
             <a:fld id="{83B0DD9A-6AEE-4CA7-A9F6-A1A12CF444F7}" type="datetimeFigureOut">
               <a:rPr lang="en-AU" smtClean="0"/>
-              <a:t>6/01/2022</a:t>
+              <a:t>9/01/2022</a:t>
             </a:fld>
             <a:endParaRPr lang="en-AU"/>
           </a:p>
@@ -873,7 +874,7 @@
           <a:p>
             <a:fld id="{83B0DD9A-6AEE-4CA7-A9F6-A1A12CF444F7}" type="datetimeFigureOut">
               <a:rPr lang="en-AU" smtClean="0"/>
-              <a:t>6/01/2022</a:t>
+              <a:t>9/01/2022</a:t>
             </a:fld>
             <a:endParaRPr lang="en-AU"/>
           </a:p>
@@ -1149,7 +1150,7 @@
           <a:p>
             <a:fld id="{83B0DD9A-6AEE-4CA7-A9F6-A1A12CF444F7}" type="datetimeFigureOut">
               <a:rPr lang="en-AU" smtClean="0"/>
-              <a:t>6/01/2022</a:t>
+              <a:t>9/01/2022</a:t>
             </a:fld>
             <a:endParaRPr lang="en-AU"/>
           </a:p>
@@ -1417,7 +1418,7 @@
           <a:p>
             <a:fld id="{83B0DD9A-6AEE-4CA7-A9F6-A1A12CF444F7}" type="datetimeFigureOut">
               <a:rPr lang="en-AU" smtClean="0"/>
-              <a:t>6/01/2022</a:t>
+              <a:t>9/01/2022</a:t>
             </a:fld>
             <a:endParaRPr lang="en-AU"/>
           </a:p>
@@ -1832,7 +1833,7 @@
           <a:p>
             <a:fld id="{83B0DD9A-6AEE-4CA7-A9F6-A1A12CF444F7}" type="datetimeFigureOut">
               <a:rPr lang="en-AU" smtClean="0"/>
-              <a:t>6/01/2022</a:t>
+              <a:t>9/01/2022</a:t>
             </a:fld>
             <a:endParaRPr lang="en-AU"/>
           </a:p>
@@ -1974,7 +1975,7 @@
           <a:p>
             <a:fld id="{83B0DD9A-6AEE-4CA7-A9F6-A1A12CF444F7}" type="datetimeFigureOut">
               <a:rPr lang="en-AU" smtClean="0"/>
-              <a:t>6/01/2022</a:t>
+              <a:t>9/01/2022</a:t>
             </a:fld>
             <a:endParaRPr lang="en-AU"/>
           </a:p>
@@ -2087,7 +2088,7 @@
           <a:p>
             <a:fld id="{83B0DD9A-6AEE-4CA7-A9F6-A1A12CF444F7}" type="datetimeFigureOut">
               <a:rPr lang="en-AU" smtClean="0"/>
-              <a:t>6/01/2022</a:t>
+              <a:t>9/01/2022</a:t>
             </a:fld>
             <a:endParaRPr lang="en-AU"/>
           </a:p>
@@ -2400,7 +2401,7 @@
           <a:p>
             <a:fld id="{83B0DD9A-6AEE-4CA7-A9F6-A1A12CF444F7}" type="datetimeFigureOut">
               <a:rPr lang="en-AU" smtClean="0"/>
-              <a:t>6/01/2022</a:t>
+              <a:t>9/01/2022</a:t>
             </a:fld>
             <a:endParaRPr lang="en-AU"/>
           </a:p>
@@ -2689,7 +2690,7 @@
           <a:p>
             <a:fld id="{83B0DD9A-6AEE-4CA7-A9F6-A1A12CF444F7}" type="datetimeFigureOut">
               <a:rPr lang="en-AU" smtClean="0"/>
-              <a:t>6/01/2022</a:t>
+              <a:t>9/01/2022</a:t>
             </a:fld>
             <a:endParaRPr lang="en-AU"/>
           </a:p>
@@ -2932,7 +2933,7 @@
           <a:p>
             <a:fld id="{83B0DD9A-6AEE-4CA7-A9F6-A1A12CF444F7}" type="datetimeFigureOut">
               <a:rPr lang="en-AU" smtClean="0"/>
-              <a:t>6/01/2022</a:t>
+              <a:t>9/01/2022</a:t>
             </a:fld>
             <a:endParaRPr lang="en-AU"/>
           </a:p>
@@ -3349,218 +3350,239 @@
           <a:chExt cx="0" cy="0"/>
         </a:xfrm>
       </p:grpSpPr>
-      <p:sp>
-        <p:nvSpPr>
-          <p:cNvPr id="4" name="Rectangle 3">
-            <a:extLst>
-              <a:ext uri="{FF2B5EF4-FFF2-40B4-BE49-F238E27FC236}">
-                <a16:creationId xmlns:a16="http://schemas.microsoft.com/office/drawing/2014/main" id="{ED4C6AF5-E0CD-4909-A091-D24C7B5ADFEC}"/>
-              </a:ext>
-            </a:extLst>
-          </p:cNvPr>
-          <p:cNvSpPr/>
+      <p:grpSp>
+        <p:nvGrpSpPr>
+          <p:cNvPr id="2" name="Group 1">
+            <a:extLst>
+              <a:ext uri="{FF2B5EF4-FFF2-40B4-BE49-F238E27FC236}">
+                <a16:creationId xmlns:a16="http://schemas.microsoft.com/office/drawing/2014/main" id="{783DE72E-87FD-4D11-9109-A1401849E685}"/>
+              </a:ext>
+            </a:extLst>
+          </p:cNvPr>
+          <p:cNvGrpSpPr/>
           <p:nvPr/>
-        </p:nvSpPr>
-        <p:spPr>
+        </p:nvGrpSpPr>
+        <p:grpSpPr>
           <a:xfrm>
-            <a:off x="1354668" y="2230967"/>
-            <a:ext cx="7662332" cy="2396067"/>
+            <a:off x="1354668" y="131232"/>
+            <a:ext cx="10185398" cy="6595535"/>
+            <a:chOff x="1354668" y="131232"/>
+            <a:chExt cx="10185398" cy="6595535"/>
           </a:xfrm>
-          <a:prstGeom prst="rect">
-            <a:avLst/>
-          </a:prstGeom>
-          <a:solidFill>
-            <a:schemeClr val="tx1"/>
-          </a:solidFill>
-          <a:ln>
-            <a:noFill/>
-          </a:ln>
-        </p:spPr>
-        <p:style>
-          <a:lnRef idx="2">
-            <a:schemeClr val="accent1">
-              <a:shade val="50000"/>
-            </a:schemeClr>
-          </a:lnRef>
-          <a:fillRef idx="1">
-            <a:schemeClr val="accent1"/>
-          </a:fillRef>
-          <a:effectRef idx="0">
-            <a:schemeClr val="accent1"/>
-          </a:effectRef>
-          <a:fontRef idx="minor">
-            <a:schemeClr val="lt1"/>
-          </a:fontRef>
-        </p:style>
-        <p:txBody>
-          <a:bodyPr rtlCol="0" anchor="ctr"/>
-          <a:lstStyle/>
-          <a:p>
-            <a:pPr algn="ctr"/>
-            <a:endParaRPr lang="en-AU"/>
-          </a:p>
-        </p:txBody>
-      </p:sp>
-      <p:sp>
-        <p:nvSpPr>
-          <p:cNvPr id="5" name="Isosceles Triangle 4">
-            <a:extLst>
-              <a:ext uri="{FF2B5EF4-FFF2-40B4-BE49-F238E27FC236}">
-                <a16:creationId xmlns:a16="http://schemas.microsoft.com/office/drawing/2014/main" id="{6DBC495A-5066-41BB-9D6B-19616BA35479}"/>
-              </a:ext>
-            </a:extLst>
-          </p:cNvPr>
-          <p:cNvSpPr/>
-          <p:nvPr/>
-        </p:nvSpPr>
-        <p:spPr>
-          <a:xfrm rot="5400000">
-            <a:off x="9292166" y="2379134"/>
-            <a:ext cx="2396067" cy="2099733"/>
-          </a:xfrm>
-          <a:prstGeom prst="triangle">
-            <a:avLst/>
-          </a:prstGeom>
-          <a:solidFill>
-            <a:schemeClr val="tx1"/>
-          </a:solidFill>
-          <a:ln>
-            <a:noFill/>
-          </a:ln>
-        </p:spPr>
-        <p:style>
-          <a:lnRef idx="2">
-            <a:schemeClr val="accent1">
-              <a:shade val="50000"/>
-            </a:schemeClr>
-          </a:lnRef>
-          <a:fillRef idx="1">
-            <a:schemeClr val="accent1"/>
-          </a:fillRef>
-          <a:effectRef idx="0">
-            <a:schemeClr val="accent1"/>
-          </a:effectRef>
-          <a:fontRef idx="minor">
-            <a:schemeClr val="lt1"/>
-          </a:fontRef>
-        </p:style>
-        <p:txBody>
-          <a:bodyPr rtlCol="0" anchor="ctr"/>
-          <a:lstStyle/>
-          <a:p>
-            <a:pPr algn="ctr"/>
-            <a:endParaRPr lang="en-AU"/>
-          </a:p>
-        </p:txBody>
-      </p:sp>
-      <p:sp>
-        <p:nvSpPr>
-          <p:cNvPr id="6" name="Isosceles Triangle 5">
-            <a:extLst>
-              <a:ext uri="{FF2B5EF4-FFF2-40B4-BE49-F238E27FC236}">
-                <a16:creationId xmlns:a16="http://schemas.microsoft.com/office/drawing/2014/main" id="{50049509-024F-43EA-A614-2C31B6803B8F}"/>
-              </a:ext>
-            </a:extLst>
-          </p:cNvPr>
-          <p:cNvSpPr/>
-          <p:nvPr/>
-        </p:nvSpPr>
-        <p:spPr>
-          <a:xfrm>
-            <a:off x="2616200" y="131234"/>
-            <a:ext cx="2396067" cy="2099733"/>
-          </a:xfrm>
-          <a:prstGeom prst="triangle">
-            <a:avLst>
-              <a:gd name="adj" fmla="val 0"/>
-            </a:avLst>
-          </a:prstGeom>
-          <a:solidFill>
-            <a:schemeClr val="tx1"/>
-          </a:solidFill>
-          <a:ln>
-            <a:noFill/>
-          </a:ln>
-        </p:spPr>
-        <p:style>
-          <a:lnRef idx="2">
-            <a:schemeClr val="accent1">
-              <a:shade val="50000"/>
-            </a:schemeClr>
-          </a:lnRef>
-          <a:fillRef idx="1">
-            <a:schemeClr val="accent1"/>
-          </a:fillRef>
-          <a:effectRef idx="0">
-            <a:schemeClr val="accent1"/>
-          </a:effectRef>
-          <a:fontRef idx="minor">
-            <a:schemeClr val="lt1"/>
-          </a:fontRef>
-        </p:style>
-        <p:txBody>
-          <a:bodyPr rtlCol="0" anchor="ctr"/>
-          <a:lstStyle/>
-          <a:p>
-            <a:pPr algn="ctr"/>
-            <a:endParaRPr lang="en-AU"/>
-          </a:p>
-        </p:txBody>
-      </p:sp>
-      <p:sp>
-        <p:nvSpPr>
-          <p:cNvPr id="7" name="Isosceles Triangle 6">
-            <a:extLst>
-              <a:ext uri="{FF2B5EF4-FFF2-40B4-BE49-F238E27FC236}">
-                <a16:creationId xmlns:a16="http://schemas.microsoft.com/office/drawing/2014/main" id="{09592E3D-F6C0-461B-8709-73F823E65EF4}"/>
-              </a:ext>
-            </a:extLst>
-          </p:cNvPr>
-          <p:cNvSpPr/>
-          <p:nvPr/>
-        </p:nvSpPr>
-        <p:spPr>
-          <a:xfrm rot="10800000">
-            <a:off x="2616200" y="4627034"/>
-            <a:ext cx="2396067" cy="2099733"/>
-          </a:xfrm>
-          <a:prstGeom prst="triangle">
-            <a:avLst>
-              <a:gd name="adj" fmla="val 100000"/>
-            </a:avLst>
-          </a:prstGeom>
-          <a:solidFill>
-            <a:schemeClr val="tx1"/>
-          </a:solidFill>
-          <a:ln>
-            <a:noFill/>
-          </a:ln>
-        </p:spPr>
-        <p:style>
-          <a:lnRef idx="2">
-            <a:schemeClr val="accent1">
-              <a:shade val="50000"/>
-            </a:schemeClr>
-          </a:lnRef>
-          <a:fillRef idx="1">
-            <a:schemeClr val="accent1"/>
-          </a:fillRef>
-          <a:effectRef idx="0">
-            <a:schemeClr val="accent1"/>
-          </a:effectRef>
-          <a:fontRef idx="minor">
-            <a:schemeClr val="lt1"/>
-          </a:fontRef>
-        </p:style>
-        <p:txBody>
-          <a:bodyPr rtlCol="0" anchor="ctr"/>
-          <a:lstStyle/>
-          <a:p>
-            <a:pPr algn="ctr"/>
-            <a:endParaRPr lang="en-AU"/>
-          </a:p>
-        </p:txBody>
-      </p:sp>
+        </p:grpSpPr>
+        <p:sp>
+          <p:nvSpPr>
+            <p:cNvPr id="4" name="Rectangle 3">
+              <a:extLst>
+                <a:ext uri="{FF2B5EF4-FFF2-40B4-BE49-F238E27FC236}">
+                  <a16:creationId xmlns:a16="http://schemas.microsoft.com/office/drawing/2014/main" id="{ED4C6AF5-E0CD-4909-A091-D24C7B5ADFEC}"/>
+                </a:ext>
+              </a:extLst>
+            </p:cNvPr>
+            <p:cNvSpPr/>
+            <p:nvPr/>
+          </p:nvSpPr>
+          <p:spPr>
+            <a:xfrm>
+              <a:off x="1354668" y="2230967"/>
+              <a:ext cx="7662332" cy="2396067"/>
+            </a:xfrm>
+            <a:prstGeom prst="rect">
+              <a:avLst/>
+            </a:prstGeom>
+            <a:solidFill>
+              <a:schemeClr val="tx1"/>
+            </a:solidFill>
+            <a:ln>
+              <a:noFill/>
+            </a:ln>
+          </p:spPr>
+          <p:style>
+            <a:lnRef idx="2">
+              <a:schemeClr val="accent1">
+                <a:shade val="50000"/>
+              </a:schemeClr>
+            </a:lnRef>
+            <a:fillRef idx="1">
+              <a:schemeClr val="accent1"/>
+            </a:fillRef>
+            <a:effectRef idx="0">
+              <a:schemeClr val="accent1"/>
+            </a:effectRef>
+            <a:fontRef idx="minor">
+              <a:schemeClr val="lt1"/>
+            </a:fontRef>
+          </p:style>
+          <p:txBody>
+            <a:bodyPr rtlCol="0" anchor="ctr"/>
+            <a:lstStyle/>
+            <a:p>
+              <a:pPr algn="ctr"/>
+              <a:endParaRPr lang="en-AU"/>
+            </a:p>
+          </p:txBody>
+        </p:sp>
+        <p:sp>
+          <p:nvSpPr>
+            <p:cNvPr id="5" name="Isosceles Triangle 4">
+              <a:extLst>
+                <a:ext uri="{FF2B5EF4-FFF2-40B4-BE49-F238E27FC236}">
+                  <a16:creationId xmlns:a16="http://schemas.microsoft.com/office/drawing/2014/main" id="{6DBC495A-5066-41BB-9D6B-19616BA35479}"/>
+                </a:ext>
+              </a:extLst>
+            </p:cNvPr>
+            <p:cNvSpPr/>
+            <p:nvPr/>
+          </p:nvSpPr>
+          <p:spPr>
+            <a:xfrm rot="5400000">
+              <a:off x="9292166" y="2379134"/>
+              <a:ext cx="2396067" cy="2099733"/>
+            </a:xfrm>
+            <a:prstGeom prst="triangle">
+              <a:avLst/>
+            </a:prstGeom>
+            <a:solidFill>
+              <a:schemeClr val="tx1"/>
+            </a:solidFill>
+            <a:ln>
+              <a:noFill/>
+            </a:ln>
+          </p:spPr>
+          <p:style>
+            <a:lnRef idx="2">
+              <a:schemeClr val="accent1">
+                <a:shade val="50000"/>
+              </a:schemeClr>
+            </a:lnRef>
+            <a:fillRef idx="1">
+              <a:schemeClr val="accent1"/>
+            </a:fillRef>
+            <a:effectRef idx="0">
+              <a:schemeClr val="accent1"/>
+            </a:effectRef>
+            <a:fontRef idx="minor">
+              <a:schemeClr val="lt1"/>
+            </a:fontRef>
+          </p:style>
+          <p:txBody>
+            <a:bodyPr rtlCol="0" anchor="ctr"/>
+            <a:lstStyle/>
+            <a:p>
+              <a:pPr algn="ctr"/>
+              <a:endParaRPr lang="en-AU"/>
+            </a:p>
+          </p:txBody>
+        </p:sp>
+        <p:sp>
+          <p:nvSpPr>
+            <p:cNvPr id="6" name="Isosceles Triangle 5">
+              <a:extLst>
+                <a:ext uri="{FF2B5EF4-FFF2-40B4-BE49-F238E27FC236}">
+                  <a16:creationId xmlns:a16="http://schemas.microsoft.com/office/drawing/2014/main" id="{50049509-024F-43EA-A614-2C31B6803B8F}"/>
+                </a:ext>
+              </a:extLst>
+            </p:cNvPr>
+            <p:cNvSpPr/>
+            <p:nvPr/>
+          </p:nvSpPr>
+          <p:spPr>
+            <a:xfrm>
+              <a:off x="2616199" y="131232"/>
+              <a:ext cx="2396067" cy="2099733"/>
+            </a:xfrm>
+            <a:prstGeom prst="triangle">
+              <a:avLst>
+                <a:gd name="adj" fmla="val 0"/>
+              </a:avLst>
+            </a:prstGeom>
+            <a:solidFill>
+              <a:schemeClr val="tx1"/>
+            </a:solidFill>
+            <a:ln>
+              <a:noFill/>
+            </a:ln>
+          </p:spPr>
+          <p:style>
+            <a:lnRef idx="2">
+              <a:schemeClr val="accent1">
+                <a:shade val="50000"/>
+              </a:schemeClr>
+            </a:lnRef>
+            <a:fillRef idx="1">
+              <a:schemeClr val="accent1"/>
+            </a:fillRef>
+            <a:effectRef idx="0">
+              <a:schemeClr val="accent1"/>
+            </a:effectRef>
+            <a:fontRef idx="minor">
+              <a:schemeClr val="lt1"/>
+            </a:fontRef>
+          </p:style>
+          <p:txBody>
+            <a:bodyPr rtlCol="0" anchor="ctr"/>
+            <a:lstStyle/>
+            <a:p>
+              <a:pPr algn="ctr"/>
+              <a:endParaRPr lang="en-AU"/>
+            </a:p>
+          </p:txBody>
+        </p:sp>
+        <p:sp>
+          <p:nvSpPr>
+            <p:cNvPr id="7" name="Isosceles Triangle 6">
+              <a:extLst>
+                <a:ext uri="{FF2B5EF4-FFF2-40B4-BE49-F238E27FC236}">
+                  <a16:creationId xmlns:a16="http://schemas.microsoft.com/office/drawing/2014/main" id="{09592E3D-F6C0-461B-8709-73F823E65EF4}"/>
+                </a:ext>
+              </a:extLst>
+            </p:cNvPr>
+            <p:cNvSpPr/>
+            <p:nvPr/>
+          </p:nvSpPr>
+          <p:spPr>
+            <a:xfrm rot="10800000">
+              <a:off x="2616200" y="4627034"/>
+              <a:ext cx="2396067" cy="2099733"/>
+            </a:xfrm>
+            <a:prstGeom prst="triangle">
+              <a:avLst>
+                <a:gd name="adj" fmla="val 100000"/>
+              </a:avLst>
+            </a:prstGeom>
+            <a:solidFill>
+              <a:schemeClr val="tx1"/>
+            </a:solidFill>
+            <a:ln>
+              <a:noFill/>
+            </a:ln>
+          </p:spPr>
+          <p:style>
+            <a:lnRef idx="2">
+              <a:schemeClr val="accent1">
+                <a:shade val="50000"/>
+              </a:schemeClr>
+            </a:lnRef>
+            <a:fillRef idx="1">
+              <a:schemeClr val="accent1"/>
+            </a:fillRef>
+            <a:effectRef idx="0">
+              <a:schemeClr val="accent1"/>
+            </a:effectRef>
+            <a:fontRef idx="minor">
+              <a:schemeClr val="lt1"/>
+            </a:fontRef>
+          </p:style>
+          <p:txBody>
+            <a:bodyPr rtlCol="0" anchor="ctr"/>
+            <a:lstStyle/>
+            <a:p>
+              <a:pPr algn="ctr"/>
+              <a:endParaRPr lang="en-AU"/>
+            </a:p>
+          </p:txBody>
+        </p:sp>
+      </p:grpSp>
     </p:spTree>
     <p:extLst>
       <p:ext uri="{BB962C8B-B14F-4D97-AF65-F5344CB8AC3E}">
@@ -4101,6 +4123,269 @@
     <p:extLst>
       <p:ext uri="{BB962C8B-B14F-4D97-AF65-F5344CB8AC3E}">
         <p14:creationId xmlns:p14="http://schemas.microsoft.com/office/powerpoint/2010/main" val="322791415"/>
+      </p:ext>
+    </p:extLst>
+  </p:cSld>
+  <p:clrMapOvr>
+    <a:masterClrMapping/>
+  </p:clrMapOvr>
+</p:sld>
+</file>
+
+<file path=ppt/slides/slide4.xml><?xml version="1.0" encoding="utf-8"?>
+<p:sld xmlns:a="http://schemas.openxmlformats.org/drawingml/2006/main" xmlns:r="http://schemas.openxmlformats.org/officeDocument/2006/relationships" xmlns:p="http://schemas.openxmlformats.org/presentationml/2006/main">
+  <p:cSld>
+    <p:spTree>
+      <p:nvGrpSpPr>
+        <p:cNvPr id="1" name=""/>
+        <p:cNvGrpSpPr/>
+        <p:nvPr/>
+      </p:nvGrpSpPr>
+      <p:grpSpPr>
+        <a:xfrm>
+          <a:off x="0" y="0"/>
+          <a:ext cx="0" cy="0"/>
+          <a:chOff x="0" y="0"/>
+          <a:chExt cx="0" cy="0"/>
+        </a:xfrm>
+      </p:grpSpPr>
+      <p:grpSp>
+        <p:nvGrpSpPr>
+          <p:cNvPr id="2" name="Group 1">
+            <a:extLst>
+              <a:ext uri="{FF2B5EF4-FFF2-40B4-BE49-F238E27FC236}">
+                <a16:creationId xmlns:a16="http://schemas.microsoft.com/office/drawing/2014/main" id="{783DE72E-87FD-4D11-9109-A1401849E685}"/>
+              </a:ext>
+            </a:extLst>
+          </p:cNvPr>
+          <p:cNvGrpSpPr/>
+          <p:nvPr/>
+        </p:nvGrpSpPr>
+        <p:grpSpPr>
+          <a:xfrm rot="5400000">
+            <a:off x="2726268" y="473075"/>
+            <a:ext cx="6263218" cy="5911851"/>
+            <a:chOff x="1354668" y="131232"/>
+            <a:chExt cx="10185398" cy="6595535"/>
+          </a:xfrm>
+        </p:grpSpPr>
+        <p:sp>
+          <p:nvSpPr>
+            <p:cNvPr id="4" name="Rectangle 3">
+              <a:extLst>
+                <a:ext uri="{FF2B5EF4-FFF2-40B4-BE49-F238E27FC236}">
+                  <a16:creationId xmlns:a16="http://schemas.microsoft.com/office/drawing/2014/main" id="{ED4C6AF5-E0CD-4909-A091-D24C7B5ADFEC}"/>
+                </a:ext>
+              </a:extLst>
+            </p:cNvPr>
+            <p:cNvSpPr/>
+            <p:nvPr/>
+          </p:nvSpPr>
+          <p:spPr>
+            <a:xfrm>
+              <a:off x="1354668" y="2230967"/>
+              <a:ext cx="7662332" cy="2396067"/>
+            </a:xfrm>
+            <a:prstGeom prst="rect">
+              <a:avLst/>
+            </a:prstGeom>
+            <a:solidFill>
+              <a:schemeClr val="tx1"/>
+            </a:solidFill>
+            <a:ln>
+              <a:noFill/>
+            </a:ln>
+          </p:spPr>
+          <p:style>
+            <a:lnRef idx="2">
+              <a:schemeClr val="accent1">
+                <a:shade val="50000"/>
+              </a:schemeClr>
+            </a:lnRef>
+            <a:fillRef idx="1">
+              <a:schemeClr val="accent1"/>
+            </a:fillRef>
+            <a:effectRef idx="0">
+              <a:schemeClr val="accent1"/>
+            </a:effectRef>
+            <a:fontRef idx="minor">
+              <a:schemeClr val="lt1"/>
+            </a:fontRef>
+          </p:style>
+          <p:txBody>
+            <a:bodyPr rtlCol="0" anchor="ctr"/>
+            <a:lstStyle/>
+            <a:p>
+              <a:pPr algn="ctr"/>
+              <a:endParaRPr lang="en-AU"/>
+            </a:p>
+          </p:txBody>
+        </p:sp>
+        <p:sp>
+          <p:nvSpPr>
+            <p:cNvPr id="5" name="Isosceles Triangle 4">
+              <a:extLst>
+                <a:ext uri="{FF2B5EF4-FFF2-40B4-BE49-F238E27FC236}">
+                  <a16:creationId xmlns:a16="http://schemas.microsoft.com/office/drawing/2014/main" id="{6DBC495A-5066-41BB-9D6B-19616BA35479}"/>
+                </a:ext>
+              </a:extLst>
+            </p:cNvPr>
+            <p:cNvSpPr/>
+            <p:nvPr/>
+          </p:nvSpPr>
+          <p:spPr>
+            <a:xfrm rot="5400000">
+              <a:off x="9292166" y="2379134"/>
+              <a:ext cx="2396067" cy="2099733"/>
+            </a:xfrm>
+            <a:prstGeom prst="triangle">
+              <a:avLst/>
+            </a:prstGeom>
+            <a:solidFill>
+              <a:schemeClr val="tx1"/>
+            </a:solidFill>
+            <a:ln>
+              <a:noFill/>
+            </a:ln>
+          </p:spPr>
+          <p:style>
+            <a:lnRef idx="2">
+              <a:schemeClr val="accent1">
+                <a:shade val="50000"/>
+              </a:schemeClr>
+            </a:lnRef>
+            <a:fillRef idx="1">
+              <a:schemeClr val="accent1"/>
+            </a:fillRef>
+            <a:effectRef idx="0">
+              <a:schemeClr val="accent1"/>
+            </a:effectRef>
+            <a:fontRef idx="minor">
+              <a:schemeClr val="lt1"/>
+            </a:fontRef>
+          </p:style>
+          <p:txBody>
+            <a:bodyPr rtlCol="0" anchor="ctr"/>
+            <a:lstStyle/>
+            <a:p>
+              <a:pPr algn="ctr"/>
+              <a:endParaRPr lang="en-AU"/>
+            </a:p>
+          </p:txBody>
+        </p:sp>
+        <p:sp>
+          <p:nvSpPr>
+            <p:cNvPr id="6" name="Isosceles Triangle 5">
+              <a:extLst>
+                <a:ext uri="{FF2B5EF4-FFF2-40B4-BE49-F238E27FC236}">
+                  <a16:creationId xmlns:a16="http://schemas.microsoft.com/office/drawing/2014/main" id="{50049509-024F-43EA-A614-2C31B6803B8F}"/>
+                </a:ext>
+              </a:extLst>
+            </p:cNvPr>
+            <p:cNvSpPr/>
+            <p:nvPr/>
+          </p:nvSpPr>
+          <p:spPr>
+            <a:xfrm>
+              <a:off x="2616199" y="131232"/>
+              <a:ext cx="2396067" cy="2099733"/>
+            </a:xfrm>
+            <a:prstGeom prst="triangle">
+              <a:avLst>
+                <a:gd name="adj" fmla="val 0"/>
+              </a:avLst>
+            </a:prstGeom>
+            <a:solidFill>
+              <a:schemeClr val="tx1"/>
+            </a:solidFill>
+            <a:ln>
+              <a:noFill/>
+            </a:ln>
+          </p:spPr>
+          <p:style>
+            <a:lnRef idx="2">
+              <a:schemeClr val="accent1">
+                <a:shade val="50000"/>
+              </a:schemeClr>
+            </a:lnRef>
+            <a:fillRef idx="1">
+              <a:schemeClr val="accent1"/>
+            </a:fillRef>
+            <a:effectRef idx="0">
+              <a:schemeClr val="accent1"/>
+            </a:effectRef>
+            <a:fontRef idx="minor">
+              <a:schemeClr val="lt1"/>
+            </a:fontRef>
+          </p:style>
+          <p:txBody>
+            <a:bodyPr rtlCol="0" anchor="ctr"/>
+            <a:lstStyle/>
+            <a:p>
+              <a:pPr algn="ctr"/>
+              <a:endParaRPr lang="en-AU"/>
+            </a:p>
+          </p:txBody>
+        </p:sp>
+        <p:sp>
+          <p:nvSpPr>
+            <p:cNvPr id="7" name="Isosceles Triangle 6">
+              <a:extLst>
+                <a:ext uri="{FF2B5EF4-FFF2-40B4-BE49-F238E27FC236}">
+                  <a16:creationId xmlns:a16="http://schemas.microsoft.com/office/drawing/2014/main" id="{09592E3D-F6C0-461B-8709-73F823E65EF4}"/>
+                </a:ext>
+              </a:extLst>
+            </p:cNvPr>
+            <p:cNvSpPr/>
+            <p:nvPr/>
+          </p:nvSpPr>
+          <p:spPr>
+            <a:xfrm rot="10800000">
+              <a:off x="2616200" y="4627034"/>
+              <a:ext cx="2396067" cy="2099733"/>
+            </a:xfrm>
+            <a:prstGeom prst="triangle">
+              <a:avLst>
+                <a:gd name="adj" fmla="val 100000"/>
+              </a:avLst>
+            </a:prstGeom>
+            <a:solidFill>
+              <a:schemeClr val="tx1"/>
+            </a:solidFill>
+            <a:ln>
+              <a:noFill/>
+            </a:ln>
+          </p:spPr>
+          <p:style>
+            <a:lnRef idx="2">
+              <a:schemeClr val="accent1">
+                <a:shade val="50000"/>
+              </a:schemeClr>
+            </a:lnRef>
+            <a:fillRef idx="1">
+              <a:schemeClr val="accent1"/>
+            </a:fillRef>
+            <a:effectRef idx="0">
+              <a:schemeClr val="accent1"/>
+            </a:effectRef>
+            <a:fontRef idx="minor">
+              <a:schemeClr val="lt1"/>
+            </a:fontRef>
+          </p:style>
+          <p:txBody>
+            <a:bodyPr rtlCol="0" anchor="ctr"/>
+            <a:lstStyle/>
+            <a:p>
+              <a:pPr algn="ctr"/>
+              <a:endParaRPr lang="en-AU"/>
+            </a:p>
+          </p:txBody>
+        </p:sp>
+      </p:grpSp>
+    </p:spTree>
+    <p:extLst>
+      <p:ext uri="{BB962C8B-B14F-4D97-AF65-F5344CB8AC3E}">
+        <p14:creationId xmlns:p14="http://schemas.microsoft.com/office/powerpoint/2010/main" val="2420475174"/>
       </p:ext>
     </p:extLst>
   </p:cSld>

--- a/assets/Icons/icons.pptx
+++ b/assets/Icons/icons.pptx
@@ -7,7 +7,7 @@
   <p:sldIdLst>
     <p:sldId id="256" r:id="rId2"/>
     <p:sldId id="257" r:id="rId3"/>
-    <p:sldId id="258" r:id="rId4"/>
+    <p:sldId id="260" r:id="rId4"/>
     <p:sldId id="259" r:id="rId5"/>
   </p:sldIdLst>
   <p:sldSz cx="12192000" cy="6858000"/>
@@ -264,7 +264,7 @@
           <a:p>
             <a:fld id="{83B0DD9A-6AEE-4CA7-A9F6-A1A12CF444F7}" type="datetimeFigureOut">
               <a:rPr lang="en-AU" smtClean="0"/>
-              <a:t>9/01/2022</a:t>
+              <a:t>13/01/2022</a:t>
             </a:fld>
             <a:endParaRPr lang="en-AU"/>
           </a:p>
@@ -464,7 +464,7 @@
           <a:p>
             <a:fld id="{83B0DD9A-6AEE-4CA7-A9F6-A1A12CF444F7}" type="datetimeFigureOut">
               <a:rPr lang="en-AU" smtClean="0"/>
-              <a:t>9/01/2022</a:t>
+              <a:t>13/01/2022</a:t>
             </a:fld>
             <a:endParaRPr lang="en-AU"/>
           </a:p>
@@ -674,7 +674,7 @@
           <a:p>
             <a:fld id="{83B0DD9A-6AEE-4CA7-A9F6-A1A12CF444F7}" type="datetimeFigureOut">
               <a:rPr lang="en-AU" smtClean="0"/>
-              <a:t>9/01/2022</a:t>
+              <a:t>13/01/2022</a:t>
             </a:fld>
             <a:endParaRPr lang="en-AU"/>
           </a:p>
@@ -874,7 +874,7 @@
           <a:p>
             <a:fld id="{83B0DD9A-6AEE-4CA7-A9F6-A1A12CF444F7}" type="datetimeFigureOut">
               <a:rPr lang="en-AU" smtClean="0"/>
-              <a:t>9/01/2022</a:t>
+              <a:t>13/01/2022</a:t>
             </a:fld>
             <a:endParaRPr lang="en-AU"/>
           </a:p>
@@ -1150,7 +1150,7 @@
           <a:p>
             <a:fld id="{83B0DD9A-6AEE-4CA7-A9F6-A1A12CF444F7}" type="datetimeFigureOut">
               <a:rPr lang="en-AU" smtClean="0"/>
-              <a:t>9/01/2022</a:t>
+              <a:t>13/01/2022</a:t>
             </a:fld>
             <a:endParaRPr lang="en-AU"/>
           </a:p>
@@ -1418,7 +1418,7 @@
           <a:p>
             <a:fld id="{83B0DD9A-6AEE-4CA7-A9F6-A1A12CF444F7}" type="datetimeFigureOut">
               <a:rPr lang="en-AU" smtClean="0"/>
-              <a:t>9/01/2022</a:t>
+              <a:t>13/01/2022</a:t>
             </a:fld>
             <a:endParaRPr lang="en-AU"/>
           </a:p>
@@ -1833,7 +1833,7 @@
           <a:p>
             <a:fld id="{83B0DD9A-6AEE-4CA7-A9F6-A1A12CF444F7}" type="datetimeFigureOut">
               <a:rPr lang="en-AU" smtClean="0"/>
-              <a:t>9/01/2022</a:t>
+              <a:t>13/01/2022</a:t>
             </a:fld>
             <a:endParaRPr lang="en-AU"/>
           </a:p>
@@ -1975,7 +1975,7 @@
           <a:p>
             <a:fld id="{83B0DD9A-6AEE-4CA7-A9F6-A1A12CF444F7}" type="datetimeFigureOut">
               <a:rPr lang="en-AU" smtClean="0"/>
-              <a:t>9/01/2022</a:t>
+              <a:t>13/01/2022</a:t>
             </a:fld>
             <a:endParaRPr lang="en-AU"/>
           </a:p>
@@ -2088,7 +2088,7 @@
           <a:p>
             <a:fld id="{83B0DD9A-6AEE-4CA7-A9F6-A1A12CF444F7}" type="datetimeFigureOut">
               <a:rPr lang="en-AU" smtClean="0"/>
-              <a:t>9/01/2022</a:t>
+              <a:t>13/01/2022</a:t>
             </a:fld>
             <a:endParaRPr lang="en-AU"/>
           </a:p>
@@ -2401,7 +2401,7 @@
           <a:p>
             <a:fld id="{83B0DD9A-6AEE-4CA7-A9F6-A1A12CF444F7}" type="datetimeFigureOut">
               <a:rPr lang="en-AU" smtClean="0"/>
-              <a:t>9/01/2022</a:t>
+              <a:t>13/01/2022</a:t>
             </a:fld>
             <a:endParaRPr lang="en-AU"/>
           </a:p>
@@ -2690,7 +2690,7 @@
           <a:p>
             <a:fld id="{83B0DD9A-6AEE-4CA7-A9F6-A1A12CF444F7}" type="datetimeFigureOut">
               <a:rPr lang="en-AU" smtClean="0"/>
-              <a:t>9/01/2022</a:t>
+              <a:t>13/01/2022</a:t>
             </a:fld>
             <a:endParaRPr lang="en-AU"/>
           </a:p>
@@ -2933,7 +2933,7 @@
           <a:p>
             <a:fld id="{83B0DD9A-6AEE-4CA7-A9F6-A1A12CF444F7}" type="datetimeFigureOut">
               <a:rPr lang="en-AU" smtClean="0"/>
-              <a:t>9/01/2022</a:t>
+              <a:t>13/01/2022</a:t>
             </a:fld>
             <a:endParaRPr lang="en-AU"/>
           </a:p>
@@ -3352,10 +3352,10 @@
       </p:grpSpPr>
       <p:grpSp>
         <p:nvGrpSpPr>
-          <p:cNvPr id="2" name="Group 1">
-            <a:extLst>
-              <a:ext uri="{FF2B5EF4-FFF2-40B4-BE49-F238E27FC236}">
-                <a16:creationId xmlns:a16="http://schemas.microsoft.com/office/drawing/2014/main" id="{783DE72E-87FD-4D11-9109-A1401849E685}"/>
+          <p:cNvPr id="39" name="Group 38">
+            <a:extLst>
+              <a:ext uri="{FF2B5EF4-FFF2-40B4-BE49-F238E27FC236}">
+                <a16:creationId xmlns:a16="http://schemas.microsoft.com/office/drawing/2014/main" id="{4F4DD76A-382E-46D9-A840-1AA73730AA44}"/>
               </a:ext>
             </a:extLst>
           </p:cNvPr>
@@ -3369,6 +3369,11 @@
             <a:chOff x="1354668" y="131232"/>
             <a:chExt cx="10185398" cy="6595535"/>
           </a:xfrm>
+          <a:effectLst>
+            <a:glow rad="635000">
+              <a:schemeClr val="bg1"/>
+            </a:glow>
+          </a:effectLst>
         </p:grpSpPr>
         <p:sp>
           <p:nvSpPr>
@@ -3613,270 +3618,296 @@
           <a:chExt cx="0" cy="0"/>
         </a:xfrm>
       </p:grpSpPr>
-      <p:sp>
-        <p:nvSpPr>
-          <p:cNvPr id="4" name="Rectangle 3">
-            <a:extLst>
-              <a:ext uri="{FF2B5EF4-FFF2-40B4-BE49-F238E27FC236}">
-                <a16:creationId xmlns:a16="http://schemas.microsoft.com/office/drawing/2014/main" id="{ED4C6AF5-E0CD-4909-A091-D24C7B5ADFEC}"/>
-              </a:ext>
-            </a:extLst>
-          </p:cNvPr>
-          <p:cNvSpPr/>
+      <p:grpSp>
+        <p:nvGrpSpPr>
+          <p:cNvPr id="28" name="Group 27">
+            <a:extLst>
+              <a:ext uri="{FF2B5EF4-FFF2-40B4-BE49-F238E27FC236}">
+                <a16:creationId xmlns:a16="http://schemas.microsoft.com/office/drawing/2014/main" id="{A0E9FC7A-7162-47C7-95B0-765C1D25AC26}"/>
+              </a:ext>
+            </a:extLst>
+          </p:cNvPr>
+          <p:cNvGrpSpPr/>
           <p:nvPr/>
-        </p:nvSpPr>
-        <p:spPr>
+        </p:nvGrpSpPr>
+        <p:grpSpPr>
           <a:xfrm>
-            <a:off x="4292600" y="2230966"/>
-            <a:ext cx="4902199" cy="2396067"/>
+            <a:off x="436032" y="2230966"/>
+            <a:ext cx="11319935" cy="2396067"/>
+            <a:chOff x="397931" y="2230966"/>
+            <a:chExt cx="11319935" cy="2396067"/>
           </a:xfrm>
-          <a:prstGeom prst="rect">
-            <a:avLst/>
-          </a:prstGeom>
-          <a:solidFill>
-            <a:schemeClr val="tx1"/>
-          </a:solidFill>
-          <a:ln>
-            <a:noFill/>
-          </a:ln>
-        </p:spPr>
-        <p:style>
-          <a:lnRef idx="2">
-            <a:schemeClr val="accent1">
-              <a:shade val="50000"/>
-            </a:schemeClr>
-          </a:lnRef>
-          <a:fillRef idx="1">
-            <a:schemeClr val="accent1"/>
-          </a:fillRef>
-          <a:effectRef idx="0">
-            <a:schemeClr val="accent1"/>
-          </a:effectRef>
-          <a:fontRef idx="minor">
-            <a:schemeClr val="lt1"/>
-          </a:fontRef>
-        </p:style>
-        <p:txBody>
-          <a:bodyPr rtlCol="0" anchor="ctr"/>
-          <a:lstStyle/>
-          <a:p>
-            <a:pPr algn="ctr"/>
-            <a:endParaRPr lang="en-AU"/>
-          </a:p>
-        </p:txBody>
-      </p:sp>
-      <p:sp>
-        <p:nvSpPr>
-          <p:cNvPr id="5" name="Isosceles Triangle 4">
-            <a:extLst>
-              <a:ext uri="{FF2B5EF4-FFF2-40B4-BE49-F238E27FC236}">
-                <a16:creationId xmlns:a16="http://schemas.microsoft.com/office/drawing/2014/main" id="{6DBC495A-5066-41BB-9D6B-19616BA35479}"/>
-              </a:ext>
-            </a:extLst>
-          </p:cNvPr>
-          <p:cNvSpPr/>
-          <p:nvPr/>
-        </p:nvSpPr>
-        <p:spPr>
-          <a:xfrm rot="5400000">
-            <a:off x="9469966" y="2379133"/>
-            <a:ext cx="2396067" cy="2099733"/>
-          </a:xfrm>
-          <a:prstGeom prst="triangle">
-            <a:avLst/>
-          </a:prstGeom>
-          <a:solidFill>
-            <a:schemeClr val="tx1"/>
-          </a:solidFill>
-          <a:ln>
-            <a:noFill/>
-          </a:ln>
-        </p:spPr>
-        <p:style>
-          <a:lnRef idx="2">
-            <a:schemeClr val="accent1">
-              <a:shade val="50000"/>
-            </a:schemeClr>
-          </a:lnRef>
-          <a:fillRef idx="1">
-            <a:schemeClr val="accent1"/>
-          </a:fillRef>
-          <a:effectRef idx="0">
-            <a:schemeClr val="accent1"/>
-          </a:effectRef>
-          <a:fontRef idx="minor">
-            <a:schemeClr val="lt1"/>
-          </a:fontRef>
-        </p:style>
-        <p:txBody>
-          <a:bodyPr rtlCol="0" anchor="ctr"/>
-          <a:lstStyle/>
-          <a:p>
-            <a:pPr algn="ctr"/>
-            <a:endParaRPr lang="en-AU"/>
-          </a:p>
-        </p:txBody>
-      </p:sp>
-      <p:sp>
-        <p:nvSpPr>
-          <p:cNvPr id="6" name="Isosceles Triangle 5">
-            <a:extLst>
-              <a:ext uri="{FF2B5EF4-FFF2-40B4-BE49-F238E27FC236}">
-                <a16:creationId xmlns:a16="http://schemas.microsoft.com/office/drawing/2014/main" id="{50049509-024F-43EA-A614-2C31B6803B8F}"/>
-              </a:ext>
-            </a:extLst>
-          </p:cNvPr>
-          <p:cNvSpPr/>
-          <p:nvPr/>
-        </p:nvSpPr>
-        <p:spPr>
-          <a:xfrm>
-            <a:off x="397932" y="2230966"/>
-            <a:ext cx="3894668" cy="850900"/>
-          </a:xfrm>
-          <a:prstGeom prst="triangle">
-            <a:avLst>
-              <a:gd name="adj" fmla="val 100000"/>
-            </a:avLst>
-          </a:prstGeom>
-          <a:solidFill>
-            <a:schemeClr val="tx1"/>
-          </a:solidFill>
-          <a:ln>
-            <a:noFill/>
-          </a:ln>
-        </p:spPr>
-        <p:style>
-          <a:lnRef idx="2">
-            <a:schemeClr val="accent1">
-              <a:shade val="50000"/>
-            </a:schemeClr>
-          </a:lnRef>
-          <a:fillRef idx="1">
-            <a:schemeClr val="accent1"/>
-          </a:fillRef>
-          <a:effectRef idx="0">
-            <a:schemeClr val="accent1"/>
-          </a:effectRef>
-          <a:fontRef idx="minor">
-            <a:schemeClr val="lt1"/>
-          </a:fontRef>
-        </p:style>
-        <p:txBody>
-          <a:bodyPr rtlCol="0" anchor="ctr"/>
-          <a:lstStyle/>
-          <a:p>
-            <a:pPr algn="ctr"/>
-            <a:endParaRPr lang="en-AU"/>
-          </a:p>
-        </p:txBody>
-      </p:sp>
-      <p:sp>
-        <p:nvSpPr>
-          <p:cNvPr id="7" name="Isosceles Triangle 6">
-            <a:extLst>
-              <a:ext uri="{FF2B5EF4-FFF2-40B4-BE49-F238E27FC236}">
-                <a16:creationId xmlns:a16="http://schemas.microsoft.com/office/drawing/2014/main" id="{09592E3D-F6C0-461B-8709-73F823E65EF4}"/>
-              </a:ext>
-            </a:extLst>
-          </p:cNvPr>
-          <p:cNvSpPr/>
-          <p:nvPr/>
-        </p:nvSpPr>
-        <p:spPr>
-          <a:xfrm rot="10800000">
-            <a:off x="397931" y="3776133"/>
-            <a:ext cx="3894667" cy="850900"/>
-          </a:xfrm>
-          <a:prstGeom prst="triangle">
-            <a:avLst>
-              <a:gd name="adj" fmla="val 0"/>
-            </a:avLst>
-          </a:prstGeom>
-          <a:solidFill>
-            <a:schemeClr val="tx1"/>
-          </a:solidFill>
-          <a:ln>
-            <a:noFill/>
-          </a:ln>
-        </p:spPr>
-        <p:style>
-          <a:lnRef idx="2">
-            <a:schemeClr val="accent1">
-              <a:shade val="50000"/>
-            </a:schemeClr>
-          </a:lnRef>
-          <a:fillRef idx="1">
-            <a:schemeClr val="accent1"/>
-          </a:fillRef>
-          <a:effectRef idx="0">
-            <a:schemeClr val="accent1"/>
-          </a:effectRef>
-          <a:fontRef idx="minor">
-            <a:schemeClr val="lt1"/>
-          </a:fontRef>
-        </p:style>
-        <p:txBody>
-          <a:bodyPr rtlCol="0" anchor="ctr"/>
-          <a:lstStyle/>
-          <a:p>
-            <a:pPr algn="ctr"/>
-            <a:endParaRPr lang="en-AU"/>
-          </a:p>
-        </p:txBody>
-      </p:sp>
-      <p:sp>
-        <p:nvSpPr>
-          <p:cNvPr id="8" name="Rectangle 7">
-            <a:extLst>
-              <a:ext uri="{FF2B5EF4-FFF2-40B4-BE49-F238E27FC236}">
-                <a16:creationId xmlns:a16="http://schemas.microsoft.com/office/drawing/2014/main" id="{47599C1F-F823-4CBD-AF79-4197526A6003}"/>
-              </a:ext>
-            </a:extLst>
-          </p:cNvPr>
-          <p:cNvSpPr/>
-          <p:nvPr/>
-        </p:nvSpPr>
-        <p:spPr>
-          <a:xfrm>
-            <a:off x="397932" y="3081866"/>
-            <a:ext cx="3894666" cy="694267"/>
-          </a:xfrm>
-          <a:prstGeom prst="rect">
-            <a:avLst/>
-          </a:prstGeom>
-          <a:solidFill>
-            <a:schemeClr val="tx1"/>
-          </a:solidFill>
-          <a:ln>
-            <a:noFill/>
-          </a:ln>
-        </p:spPr>
-        <p:style>
-          <a:lnRef idx="2">
-            <a:schemeClr val="accent1">
-              <a:shade val="50000"/>
-            </a:schemeClr>
-          </a:lnRef>
-          <a:fillRef idx="1">
-            <a:schemeClr val="accent1"/>
-          </a:fillRef>
-          <a:effectRef idx="0">
-            <a:schemeClr val="accent1"/>
-          </a:effectRef>
-          <a:fontRef idx="minor">
-            <a:schemeClr val="lt1"/>
-          </a:fontRef>
-        </p:style>
-        <p:txBody>
-          <a:bodyPr rtlCol="0" anchor="ctr"/>
-          <a:lstStyle/>
-          <a:p>
-            <a:pPr algn="ctr"/>
-            <a:endParaRPr lang="en-AU"/>
-          </a:p>
-        </p:txBody>
-      </p:sp>
+          <a:effectLst>
+            <a:glow rad="635000">
+              <a:schemeClr val="bg1"/>
+            </a:glow>
+          </a:effectLst>
+        </p:grpSpPr>
+        <p:sp>
+          <p:nvSpPr>
+            <p:cNvPr id="4" name="Rectangle 3">
+              <a:extLst>
+                <a:ext uri="{FF2B5EF4-FFF2-40B4-BE49-F238E27FC236}">
+                  <a16:creationId xmlns:a16="http://schemas.microsoft.com/office/drawing/2014/main" id="{ED4C6AF5-E0CD-4909-A091-D24C7B5ADFEC}"/>
+                </a:ext>
+              </a:extLst>
+            </p:cNvPr>
+            <p:cNvSpPr/>
+            <p:nvPr/>
+          </p:nvSpPr>
+          <p:spPr>
+            <a:xfrm>
+              <a:off x="4292600" y="2230966"/>
+              <a:ext cx="4902199" cy="2396067"/>
+            </a:xfrm>
+            <a:prstGeom prst="rect">
+              <a:avLst/>
+            </a:prstGeom>
+            <a:solidFill>
+              <a:schemeClr val="tx1"/>
+            </a:solidFill>
+            <a:ln>
+              <a:noFill/>
+            </a:ln>
+          </p:spPr>
+          <p:style>
+            <a:lnRef idx="2">
+              <a:schemeClr val="accent1">
+                <a:shade val="50000"/>
+              </a:schemeClr>
+            </a:lnRef>
+            <a:fillRef idx="1">
+              <a:schemeClr val="accent1"/>
+            </a:fillRef>
+            <a:effectRef idx="0">
+              <a:schemeClr val="accent1"/>
+            </a:effectRef>
+            <a:fontRef idx="minor">
+              <a:schemeClr val="lt1"/>
+            </a:fontRef>
+          </p:style>
+          <p:txBody>
+            <a:bodyPr rtlCol="0" anchor="ctr"/>
+            <a:lstStyle/>
+            <a:p>
+              <a:pPr algn="ctr"/>
+              <a:endParaRPr lang="en-AU"/>
+            </a:p>
+          </p:txBody>
+        </p:sp>
+        <p:sp>
+          <p:nvSpPr>
+            <p:cNvPr id="5" name="Isosceles Triangle 4">
+              <a:extLst>
+                <a:ext uri="{FF2B5EF4-FFF2-40B4-BE49-F238E27FC236}">
+                  <a16:creationId xmlns:a16="http://schemas.microsoft.com/office/drawing/2014/main" id="{6DBC495A-5066-41BB-9D6B-19616BA35479}"/>
+                </a:ext>
+              </a:extLst>
+            </p:cNvPr>
+            <p:cNvSpPr/>
+            <p:nvPr/>
+          </p:nvSpPr>
+          <p:spPr>
+            <a:xfrm rot="5400000">
+              <a:off x="9469966" y="2379133"/>
+              <a:ext cx="2396067" cy="2099733"/>
+            </a:xfrm>
+            <a:prstGeom prst="triangle">
+              <a:avLst/>
+            </a:prstGeom>
+            <a:solidFill>
+              <a:schemeClr val="tx1"/>
+            </a:solidFill>
+            <a:ln>
+              <a:noFill/>
+            </a:ln>
+          </p:spPr>
+          <p:style>
+            <a:lnRef idx="2">
+              <a:schemeClr val="accent1">
+                <a:shade val="50000"/>
+              </a:schemeClr>
+            </a:lnRef>
+            <a:fillRef idx="1">
+              <a:schemeClr val="accent1"/>
+            </a:fillRef>
+            <a:effectRef idx="0">
+              <a:schemeClr val="accent1"/>
+            </a:effectRef>
+            <a:fontRef idx="minor">
+              <a:schemeClr val="lt1"/>
+            </a:fontRef>
+          </p:style>
+          <p:txBody>
+            <a:bodyPr rtlCol="0" anchor="ctr"/>
+            <a:lstStyle/>
+            <a:p>
+              <a:pPr algn="ctr"/>
+              <a:endParaRPr lang="en-AU"/>
+            </a:p>
+          </p:txBody>
+        </p:sp>
+        <p:sp>
+          <p:nvSpPr>
+            <p:cNvPr id="6" name="Isosceles Triangle 5">
+              <a:extLst>
+                <a:ext uri="{FF2B5EF4-FFF2-40B4-BE49-F238E27FC236}">
+                  <a16:creationId xmlns:a16="http://schemas.microsoft.com/office/drawing/2014/main" id="{50049509-024F-43EA-A614-2C31B6803B8F}"/>
+                </a:ext>
+              </a:extLst>
+            </p:cNvPr>
+            <p:cNvSpPr/>
+            <p:nvPr/>
+          </p:nvSpPr>
+          <p:spPr>
+            <a:xfrm>
+              <a:off x="397932" y="2230966"/>
+              <a:ext cx="3894668" cy="850900"/>
+            </a:xfrm>
+            <a:prstGeom prst="triangle">
+              <a:avLst>
+                <a:gd name="adj" fmla="val 100000"/>
+              </a:avLst>
+            </a:prstGeom>
+            <a:solidFill>
+              <a:schemeClr val="tx1"/>
+            </a:solidFill>
+            <a:ln>
+              <a:noFill/>
+            </a:ln>
+          </p:spPr>
+          <p:style>
+            <a:lnRef idx="2">
+              <a:schemeClr val="accent1">
+                <a:shade val="50000"/>
+              </a:schemeClr>
+            </a:lnRef>
+            <a:fillRef idx="1">
+              <a:schemeClr val="accent1"/>
+            </a:fillRef>
+            <a:effectRef idx="0">
+              <a:schemeClr val="accent1"/>
+            </a:effectRef>
+            <a:fontRef idx="minor">
+              <a:schemeClr val="lt1"/>
+            </a:fontRef>
+          </p:style>
+          <p:txBody>
+            <a:bodyPr rtlCol="0" anchor="ctr"/>
+            <a:lstStyle/>
+            <a:p>
+              <a:pPr algn="ctr"/>
+              <a:endParaRPr lang="en-AU"/>
+            </a:p>
+          </p:txBody>
+        </p:sp>
+        <p:sp>
+          <p:nvSpPr>
+            <p:cNvPr id="7" name="Isosceles Triangle 6">
+              <a:extLst>
+                <a:ext uri="{FF2B5EF4-FFF2-40B4-BE49-F238E27FC236}">
+                  <a16:creationId xmlns:a16="http://schemas.microsoft.com/office/drawing/2014/main" id="{09592E3D-F6C0-461B-8709-73F823E65EF4}"/>
+                </a:ext>
+              </a:extLst>
+            </p:cNvPr>
+            <p:cNvSpPr/>
+            <p:nvPr/>
+          </p:nvSpPr>
+          <p:spPr>
+            <a:xfrm rot="10800000">
+              <a:off x="397931" y="3776133"/>
+              <a:ext cx="3894667" cy="850900"/>
+            </a:xfrm>
+            <a:prstGeom prst="triangle">
+              <a:avLst>
+                <a:gd name="adj" fmla="val 0"/>
+              </a:avLst>
+            </a:prstGeom>
+            <a:solidFill>
+              <a:schemeClr val="tx1"/>
+            </a:solidFill>
+            <a:ln>
+              <a:noFill/>
+            </a:ln>
+          </p:spPr>
+          <p:style>
+            <a:lnRef idx="2">
+              <a:schemeClr val="accent1">
+                <a:shade val="50000"/>
+              </a:schemeClr>
+            </a:lnRef>
+            <a:fillRef idx="1">
+              <a:schemeClr val="accent1"/>
+            </a:fillRef>
+            <a:effectRef idx="0">
+              <a:schemeClr val="accent1"/>
+            </a:effectRef>
+            <a:fontRef idx="minor">
+              <a:schemeClr val="lt1"/>
+            </a:fontRef>
+          </p:style>
+          <p:txBody>
+            <a:bodyPr rtlCol="0" anchor="ctr"/>
+            <a:lstStyle/>
+            <a:p>
+              <a:pPr algn="ctr"/>
+              <a:endParaRPr lang="en-AU"/>
+            </a:p>
+          </p:txBody>
+        </p:sp>
+        <p:sp>
+          <p:nvSpPr>
+            <p:cNvPr id="8" name="Rectangle 7">
+              <a:extLst>
+                <a:ext uri="{FF2B5EF4-FFF2-40B4-BE49-F238E27FC236}">
+                  <a16:creationId xmlns:a16="http://schemas.microsoft.com/office/drawing/2014/main" id="{47599C1F-F823-4CBD-AF79-4197526A6003}"/>
+                </a:ext>
+              </a:extLst>
+            </p:cNvPr>
+            <p:cNvSpPr/>
+            <p:nvPr/>
+          </p:nvSpPr>
+          <p:spPr>
+            <a:xfrm>
+              <a:off x="397932" y="3081866"/>
+              <a:ext cx="3894666" cy="694267"/>
+            </a:xfrm>
+            <a:prstGeom prst="rect">
+              <a:avLst/>
+            </a:prstGeom>
+            <a:solidFill>
+              <a:schemeClr val="tx1"/>
+            </a:solidFill>
+            <a:ln>
+              <a:noFill/>
+            </a:ln>
+          </p:spPr>
+          <p:style>
+            <a:lnRef idx="2">
+              <a:schemeClr val="accent1">
+                <a:shade val="50000"/>
+              </a:schemeClr>
+            </a:lnRef>
+            <a:fillRef idx="1">
+              <a:schemeClr val="accent1"/>
+            </a:fillRef>
+            <a:effectRef idx="0">
+              <a:schemeClr val="accent1"/>
+            </a:effectRef>
+            <a:fontRef idx="minor">
+              <a:schemeClr val="lt1"/>
+            </a:fontRef>
+          </p:style>
+          <p:txBody>
+            <a:bodyPr rtlCol="0" anchor="ctr"/>
+            <a:lstStyle/>
+            <a:p>
+              <a:pPr algn="ctr"/>
+              <a:endParaRPr lang="en-AU"/>
+            </a:p>
+          </p:txBody>
+        </p:sp>
+      </p:grpSp>
     </p:spTree>
     <p:extLst>
       <p:ext uri="{BB962C8B-B14F-4D97-AF65-F5344CB8AC3E}">
@@ -3907,222 +3938,248 @@
           <a:chExt cx="0" cy="0"/>
         </a:xfrm>
       </p:grpSpPr>
-      <p:sp>
-        <p:nvSpPr>
-          <p:cNvPr id="4" name="Rectangle 3">
-            <a:extLst>
-              <a:ext uri="{FF2B5EF4-FFF2-40B4-BE49-F238E27FC236}">
-                <a16:creationId xmlns:a16="http://schemas.microsoft.com/office/drawing/2014/main" id="{ED4C6AF5-E0CD-4909-A091-D24C7B5ADFEC}"/>
-              </a:ext>
-            </a:extLst>
-          </p:cNvPr>
-          <p:cNvSpPr/>
+      <p:grpSp>
+        <p:nvGrpSpPr>
+          <p:cNvPr id="3" name="Group 2">
+            <a:extLst>
+              <a:ext uri="{FF2B5EF4-FFF2-40B4-BE49-F238E27FC236}">
+                <a16:creationId xmlns:a16="http://schemas.microsoft.com/office/drawing/2014/main" id="{6F3E6258-4EA0-4ECA-AC76-1D78BFEEBC7B}"/>
+              </a:ext>
+            </a:extLst>
+          </p:cNvPr>
+          <p:cNvGrpSpPr/>
           <p:nvPr/>
-        </p:nvSpPr>
-        <p:spPr>
+        </p:nvGrpSpPr>
+        <p:grpSpPr>
           <a:xfrm>
-            <a:off x="2616199" y="2518834"/>
-            <a:ext cx="6400799" cy="2396067"/>
+            <a:off x="2616199" y="1411816"/>
+            <a:ext cx="6400799" cy="3503085"/>
+            <a:chOff x="2616199" y="1411816"/>
+            <a:chExt cx="6400799" cy="3503085"/>
           </a:xfrm>
-          <a:prstGeom prst="rect">
-            <a:avLst/>
-          </a:prstGeom>
-          <a:solidFill>
-            <a:schemeClr val="tx1"/>
-          </a:solidFill>
-          <a:ln>
-            <a:noFill/>
-          </a:ln>
-        </p:spPr>
-        <p:style>
-          <a:lnRef idx="2">
-            <a:schemeClr val="accent1">
-              <a:shade val="50000"/>
-            </a:schemeClr>
-          </a:lnRef>
-          <a:fillRef idx="1">
-            <a:schemeClr val="accent1"/>
-          </a:fillRef>
-          <a:effectRef idx="0">
-            <a:schemeClr val="accent1"/>
-          </a:effectRef>
-          <a:fontRef idx="minor">
-            <a:schemeClr val="lt1"/>
-          </a:fontRef>
-        </p:style>
-        <p:txBody>
-          <a:bodyPr rtlCol="0" anchor="ctr"/>
-          <a:lstStyle/>
-          <a:p>
-            <a:pPr algn="ctr"/>
-            <a:endParaRPr lang="en-AU"/>
-          </a:p>
-        </p:txBody>
-      </p:sp>
-      <p:sp>
-        <p:nvSpPr>
-          <p:cNvPr id="6" name="Isosceles Triangle 5">
-            <a:extLst>
-              <a:ext uri="{FF2B5EF4-FFF2-40B4-BE49-F238E27FC236}">
-                <a16:creationId xmlns:a16="http://schemas.microsoft.com/office/drawing/2014/main" id="{50049509-024F-43EA-A614-2C31B6803B8F}"/>
-              </a:ext>
-            </a:extLst>
-          </p:cNvPr>
-          <p:cNvSpPr/>
-          <p:nvPr/>
-        </p:nvSpPr>
-        <p:spPr>
-          <a:xfrm>
-            <a:off x="3060441" y="1411816"/>
-            <a:ext cx="1951825" cy="819151"/>
-          </a:xfrm>
-          <a:prstGeom prst="triangle">
-            <a:avLst>
-              <a:gd name="adj" fmla="val 100000"/>
-            </a:avLst>
-          </a:prstGeom>
-          <a:solidFill>
-            <a:schemeClr val="tx1"/>
-          </a:solidFill>
-          <a:ln>
-            <a:noFill/>
-          </a:ln>
-        </p:spPr>
-        <p:style>
-          <a:lnRef idx="2">
-            <a:schemeClr val="accent1">
-              <a:shade val="50000"/>
-            </a:schemeClr>
-          </a:lnRef>
-          <a:fillRef idx="1">
-            <a:schemeClr val="accent1"/>
-          </a:fillRef>
-          <a:effectRef idx="0">
-            <a:schemeClr val="accent1"/>
-          </a:effectRef>
-          <a:fontRef idx="minor">
-            <a:schemeClr val="lt1"/>
-          </a:fontRef>
-        </p:style>
-        <p:txBody>
-          <a:bodyPr rtlCol="0" anchor="ctr"/>
-          <a:lstStyle/>
-          <a:p>
-            <a:pPr algn="ctr"/>
-            <a:endParaRPr lang="en-AU"/>
-          </a:p>
-        </p:txBody>
-      </p:sp>
-      <p:sp>
-        <p:nvSpPr>
-          <p:cNvPr id="7" name="Isosceles Triangle 6">
-            <a:extLst>
-              <a:ext uri="{FF2B5EF4-FFF2-40B4-BE49-F238E27FC236}">
-                <a16:creationId xmlns:a16="http://schemas.microsoft.com/office/drawing/2014/main" id="{09592E3D-F6C0-461B-8709-73F823E65EF4}"/>
-              </a:ext>
-            </a:extLst>
-          </p:cNvPr>
-          <p:cNvSpPr/>
-          <p:nvPr/>
-        </p:nvSpPr>
-        <p:spPr>
-          <a:xfrm rot="10800000" flipH="1" flipV="1">
-            <a:off x="6620932" y="1411816"/>
-            <a:ext cx="2075199" cy="819151"/>
-          </a:xfrm>
-          <a:prstGeom prst="triangle">
-            <a:avLst>
-              <a:gd name="adj" fmla="val 0"/>
-            </a:avLst>
-          </a:prstGeom>
-          <a:solidFill>
-            <a:schemeClr val="tx1"/>
-          </a:solidFill>
-          <a:ln>
-            <a:noFill/>
-          </a:ln>
-        </p:spPr>
-        <p:style>
-          <a:lnRef idx="2">
-            <a:schemeClr val="accent1">
-              <a:shade val="50000"/>
-            </a:schemeClr>
-          </a:lnRef>
-          <a:fillRef idx="1">
-            <a:schemeClr val="accent1"/>
-          </a:fillRef>
-          <a:effectRef idx="0">
-            <a:schemeClr val="accent1"/>
-          </a:effectRef>
-          <a:fontRef idx="minor">
-            <a:schemeClr val="lt1"/>
-          </a:fontRef>
-        </p:style>
-        <p:txBody>
-          <a:bodyPr rtlCol="0" anchor="ctr"/>
-          <a:lstStyle/>
-          <a:p>
-            <a:pPr algn="ctr"/>
-            <a:endParaRPr lang="en-AU"/>
-          </a:p>
-        </p:txBody>
-      </p:sp>
-      <p:sp>
-        <p:nvSpPr>
-          <p:cNvPr id="8" name="Rectangle 7">
-            <a:extLst>
-              <a:ext uri="{FF2B5EF4-FFF2-40B4-BE49-F238E27FC236}">
-                <a16:creationId xmlns:a16="http://schemas.microsoft.com/office/drawing/2014/main" id="{47599C1F-F823-4CBD-AF79-4197526A6003}"/>
-              </a:ext>
-            </a:extLst>
-          </p:cNvPr>
-          <p:cNvSpPr/>
-          <p:nvPr/>
-        </p:nvSpPr>
-        <p:spPr>
-          <a:xfrm>
-            <a:off x="5012267" y="1411816"/>
-            <a:ext cx="1608666" cy="819151"/>
-          </a:xfrm>
-          <a:prstGeom prst="rect">
-            <a:avLst/>
-          </a:prstGeom>
-          <a:solidFill>
-            <a:schemeClr val="tx1"/>
-          </a:solidFill>
-          <a:ln>
-            <a:noFill/>
-          </a:ln>
-        </p:spPr>
-        <p:style>
-          <a:lnRef idx="2">
-            <a:schemeClr val="accent1">
-              <a:shade val="50000"/>
-            </a:schemeClr>
-          </a:lnRef>
-          <a:fillRef idx="1">
-            <a:schemeClr val="accent1"/>
-          </a:fillRef>
-          <a:effectRef idx="0">
-            <a:schemeClr val="accent1"/>
-          </a:effectRef>
-          <a:fontRef idx="minor">
-            <a:schemeClr val="lt1"/>
-          </a:fontRef>
-        </p:style>
-        <p:txBody>
-          <a:bodyPr rtlCol="0" anchor="ctr"/>
-          <a:lstStyle/>
-          <a:p>
-            <a:pPr algn="ctr"/>
-            <a:endParaRPr lang="en-AU"/>
-          </a:p>
-        </p:txBody>
-      </p:sp>
+          <a:effectLst>
+            <a:glow rad="635000">
+              <a:schemeClr val="bg1"/>
+            </a:glow>
+          </a:effectLst>
+        </p:grpSpPr>
+        <p:sp>
+          <p:nvSpPr>
+            <p:cNvPr id="4" name="Rectangle 3">
+              <a:extLst>
+                <a:ext uri="{FF2B5EF4-FFF2-40B4-BE49-F238E27FC236}">
+                  <a16:creationId xmlns:a16="http://schemas.microsoft.com/office/drawing/2014/main" id="{ED4C6AF5-E0CD-4909-A091-D24C7B5ADFEC}"/>
+                </a:ext>
+              </a:extLst>
+            </p:cNvPr>
+            <p:cNvSpPr/>
+            <p:nvPr/>
+          </p:nvSpPr>
+          <p:spPr>
+            <a:xfrm>
+              <a:off x="2616199" y="2540000"/>
+              <a:ext cx="6400799" cy="2374901"/>
+            </a:xfrm>
+            <a:prstGeom prst="rect">
+              <a:avLst/>
+            </a:prstGeom>
+            <a:solidFill>
+              <a:schemeClr val="tx1"/>
+            </a:solidFill>
+            <a:ln>
+              <a:noFill/>
+            </a:ln>
+          </p:spPr>
+          <p:style>
+            <a:lnRef idx="2">
+              <a:schemeClr val="accent1">
+                <a:shade val="50000"/>
+              </a:schemeClr>
+            </a:lnRef>
+            <a:fillRef idx="1">
+              <a:schemeClr val="accent1"/>
+            </a:fillRef>
+            <a:effectRef idx="0">
+              <a:schemeClr val="accent1"/>
+            </a:effectRef>
+            <a:fontRef idx="minor">
+              <a:schemeClr val="lt1"/>
+            </a:fontRef>
+          </p:style>
+          <p:txBody>
+            <a:bodyPr rtlCol="0" anchor="ctr"/>
+            <a:lstStyle/>
+            <a:p>
+              <a:pPr algn="ctr"/>
+              <a:endParaRPr lang="en-AU"/>
+            </a:p>
+          </p:txBody>
+        </p:sp>
+        <p:sp>
+          <p:nvSpPr>
+            <p:cNvPr id="6" name="Isosceles Triangle 5">
+              <a:extLst>
+                <a:ext uri="{FF2B5EF4-FFF2-40B4-BE49-F238E27FC236}">
+                  <a16:creationId xmlns:a16="http://schemas.microsoft.com/office/drawing/2014/main" id="{50049509-024F-43EA-A614-2C31B6803B8F}"/>
+                </a:ext>
+              </a:extLst>
+            </p:cNvPr>
+            <p:cNvSpPr/>
+            <p:nvPr/>
+          </p:nvSpPr>
+          <p:spPr>
+            <a:xfrm>
+              <a:off x="2616199" y="1411816"/>
+              <a:ext cx="2396067" cy="804911"/>
+            </a:xfrm>
+            <a:prstGeom prst="triangle">
+              <a:avLst>
+                <a:gd name="adj" fmla="val 100000"/>
+              </a:avLst>
+            </a:prstGeom>
+            <a:solidFill>
+              <a:schemeClr val="tx1"/>
+            </a:solidFill>
+            <a:ln>
+              <a:noFill/>
+            </a:ln>
+          </p:spPr>
+          <p:style>
+            <a:lnRef idx="2">
+              <a:schemeClr val="accent1">
+                <a:shade val="50000"/>
+              </a:schemeClr>
+            </a:lnRef>
+            <a:fillRef idx="1">
+              <a:schemeClr val="accent1"/>
+            </a:fillRef>
+            <a:effectRef idx="0">
+              <a:schemeClr val="accent1"/>
+            </a:effectRef>
+            <a:fontRef idx="minor">
+              <a:schemeClr val="lt1"/>
+            </a:fontRef>
+          </p:style>
+          <p:txBody>
+            <a:bodyPr rtlCol="0" anchor="ctr"/>
+            <a:lstStyle/>
+            <a:p>
+              <a:pPr algn="ctr"/>
+              <a:endParaRPr lang="en-AU"/>
+            </a:p>
+          </p:txBody>
+        </p:sp>
+        <p:sp>
+          <p:nvSpPr>
+            <p:cNvPr id="7" name="Isosceles Triangle 6">
+              <a:extLst>
+                <a:ext uri="{FF2B5EF4-FFF2-40B4-BE49-F238E27FC236}">
+                  <a16:creationId xmlns:a16="http://schemas.microsoft.com/office/drawing/2014/main" id="{09592E3D-F6C0-461B-8709-73F823E65EF4}"/>
+                </a:ext>
+              </a:extLst>
+            </p:cNvPr>
+            <p:cNvSpPr/>
+            <p:nvPr/>
+          </p:nvSpPr>
+          <p:spPr>
+            <a:xfrm rot="10800000" flipH="1" flipV="1">
+              <a:off x="6620932" y="1411816"/>
+              <a:ext cx="2396066" cy="804911"/>
+            </a:xfrm>
+            <a:prstGeom prst="triangle">
+              <a:avLst>
+                <a:gd name="adj" fmla="val 0"/>
+              </a:avLst>
+            </a:prstGeom>
+            <a:solidFill>
+              <a:schemeClr val="tx1"/>
+            </a:solidFill>
+            <a:ln>
+              <a:noFill/>
+            </a:ln>
+          </p:spPr>
+          <p:style>
+            <a:lnRef idx="2">
+              <a:schemeClr val="accent1">
+                <a:shade val="50000"/>
+              </a:schemeClr>
+            </a:lnRef>
+            <a:fillRef idx="1">
+              <a:schemeClr val="accent1"/>
+            </a:fillRef>
+            <a:effectRef idx="0">
+              <a:schemeClr val="accent1"/>
+            </a:effectRef>
+            <a:fontRef idx="minor">
+              <a:schemeClr val="lt1"/>
+            </a:fontRef>
+          </p:style>
+          <p:txBody>
+            <a:bodyPr rtlCol="0" anchor="ctr"/>
+            <a:lstStyle/>
+            <a:p>
+              <a:pPr algn="ctr"/>
+              <a:endParaRPr lang="en-AU"/>
+            </a:p>
+          </p:txBody>
+        </p:sp>
+        <p:sp>
+          <p:nvSpPr>
+            <p:cNvPr id="8" name="Rectangle 7">
+              <a:extLst>
+                <a:ext uri="{FF2B5EF4-FFF2-40B4-BE49-F238E27FC236}">
+                  <a16:creationId xmlns:a16="http://schemas.microsoft.com/office/drawing/2014/main" id="{47599C1F-F823-4CBD-AF79-4197526A6003}"/>
+                </a:ext>
+              </a:extLst>
+            </p:cNvPr>
+            <p:cNvSpPr/>
+            <p:nvPr/>
+          </p:nvSpPr>
+          <p:spPr>
+            <a:xfrm>
+              <a:off x="5012267" y="1411816"/>
+              <a:ext cx="1608666" cy="804911"/>
+            </a:xfrm>
+            <a:prstGeom prst="rect">
+              <a:avLst/>
+            </a:prstGeom>
+            <a:solidFill>
+              <a:schemeClr val="tx1"/>
+            </a:solidFill>
+            <a:ln>
+              <a:noFill/>
+            </a:ln>
+          </p:spPr>
+          <p:style>
+            <a:lnRef idx="2">
+              <a:schemeClr val="accent1">
+                <a:shade val="50000"/>
+              </a:schemeClr>
+            </a:lnRef>
+            <a:fillRef idx="1">
+              <a:schemeClr val="accent1"/>
+            </a:fillRef>
+            <a:effectRef idx="0">
+              <a:schemeClr val="accent1"/>
+            </a:effectRef>
+            <a:fontRef idx="minor">
+              <a:schemeClr val="lt1"/>
+            </a:fontRef>
+          </p:style>
+          <p:txBody>
+            <a:bodyPr rtlCol="0" anchor="ctr"/>
+            <a:lstStyle/>
+            <a:p>
+              <a:pPr algn="ctr"/>
+              <a:endParaRPr lang="en-AU"/>
+            </a:p>
+          </p:txBody>
+        </p:sp>
+      </p:grpSp>
     </p:spTree>
     <p:extLst>
       <p:ext uri="{BB962C8B-B14F-4D97-AF65-F5344CB8AC3E}">
-        <p14:creationId xmlns:p14="http://schemas.microsoft.com/office/powerpoint/2010/main" val="322791415"/>
+        <p14:creationId xmlns:p14="http://schemas.microsoft.com/office/powerpoint/2010/main" val="575736358"/>
       </p:ext>
     </p:extLst>
   </p:cSld>
@@ -4163,11 +4220,16 @@
         </p:nvGrpSpPr>
         <p:grpSpPr>
           <a:xfrm rot="5400000">
-            <a:off x="2726268" y="473075"/>
+            <a:off x="2726268" y="473076"/>
             <a:ext cx="6263218" cy="5911851"/>
             <a:chOff x="1354668" y="131232"/>
             <a:chExt cx="10185398" cy="6595535"/>
           </a:xfrm>
+          <a:effectLst>
+            <a:glow rad="635000">
+              <a:schemeClr val="bg1"/>
+            </a:glow>
+          </a:effectLst>
         </p:grpSpPr>
         <p:sp>
           <p:nvSpPr>
